--- a/setup.pptx
+++ b/setup.pptx
@@ -243,7 +243,7 @@
           <a:p>
             <a:fld id="{C8292013-4D42-4217-8002-606CF8452647}" type="datetimeFigureOut">
               <a:rPr lang="ko-KR" altLang="en-US" smtClean="0"/>
-              <a:t>2017-08-14</a:t>
+              <a:t>2017. 9. 4.</a:t>
             </a:fld>
             <a:endParaRPr lang="ko-KR" altLang="en-US"/>
           </a:p>
@@ -413,7 +413,7 @@
           <a:p>
             <a:fld id="{C8292013-4D42-4217-8002-606CF8452647}" type="datetimeFigureOut">
               <a:rPr lang="ko-KR" altLang="en-US" smtClean="0"/>
-              <a:t>2017-08-14</a:t>
+              <a:t>2017. 9. 4.</a:t>
             </a:fld>
             <a:endParaRPr lang="ko-KR" altLang="en-US"/>
           </a:p>
@@ -593,7 +593,7 @@
           <a:p>
             <a:fld id="{C8292013-4D42-4217-8002-606CF8452647}" type="datetimeFigureOut">
               <a:rPr lang="ko-KR" altLang="en-US" smtClean="0"/>
-              <a:t>2017-08-14</a:t>
+              <a:t>2017. 9. 4.</a:t>
             </a:fld>
             <a:endParaRPr lang="ko-KR" altLang="en-US"/>
           </a:p>
@@ -763,7 +763,7 @@
           <a:p>
             <a:fld id="{C8292013-4D42-4217-8002-606CF8452647}" type="datetimeFigureOut">
               <a:rPr lang="ko-KR" altLang="en-US" smtClean="0"/>
-              <a:t>2017-08-14</a:t>
+              <a:t>2017. 9. 4.</a:t>
             </a:fld>
             <a:endParaRPr lang="ko-KR" altLang="en-US"/>
           </a:p>
@@ -1009,7 +1009,7 @@
           <a:p>
             <a:fld id="{C8292013-4D42-4217-8002-606CF8452647}" type="datetimeFigureOut">
               <a:rPr lang="ko-KR" altLang="en-US" smtClean="0"/>
-              <a:t>2017-08-14</a:t>
+              <a:t>2017. 9. 4.</a:t>
             </a:fld>
             <a:endParaRPr lang="ko-KR" altLang="en-US"/>
           </a:p>
@@ -1241,7 +1241,7 @@
           <a:p>
             <a:fld id="{C8292013-4D42-4217-8002-606CF8452647}" type="datetimeFigureOut">
               <a:rPr lang="ko-KR" altLang="en-US" smtClean="0"/>
-              <a:t>2017-08-14</a:t>
+              <a:t>2017. 9. 4.</a:t>
             </a:fld>
             <a:endParaRPr lang="ko-KR" altLang="en-US"/>
           </a:p>
@@ -1608,7 +1608,7 @@
           <a:p>
             <a:fld id="{C8292013-4D42-4217-8002-606CF8452647}" type="datetimeFigureOut">
               <a:rPr lang="ko-KR" altLang="en-US" smtClean="0"/>
-              <a:t>2017-08-14</a:t>
+              <a:t>2017. 9. 4.</a:t>
             </a:fld>
             <a:endParaRPr lang="ko-KR" altLang="en-US"/>
           </a:p>
@@ -1726,7 +1726,7 @@
           <a:p>
             <a:fld id="{C8292013-4D42-4217-8002-606CF8452647}" type="datetimeFigureOut">
               <a:rPr lang="ko-KR" altLang="en-US" smtClean="0"/>
-              <a:t>2017-08-14</a:t>
+              <a:t>2017. 9. 4.</a:t>
             </a:fld>
             <a:endParaRPr lang="ko-KR" altLang="en-US"/>
           </a:p>
@@ -1821,7 +1821,7 @@
           <a:p>
             <a:fld id="{C8292013-4D42-4217-8002-606CF8452647}" type="datetimeFigureOut">
               <a:rPr lang="ko-KR" altLang="en-US" smtClean="0"/>
-              <a:t>2017-08-14</a:t>
+              <a:t>2017. 9. 4.</a:t>
             </a:fld>
             <a:endParaRPr lang="ko-KR" altLang="en-US"/>
           </a:p>
@@ -2098,7 +2098,7 @@
           <a:p>
             <a:fld id="{C8292013-4D42-4217-8002-606CF8452647}" type="datetimeFigureOut">
               <a:rPr lang="ko-KR" altLang="en-US" smtClean="0"/>
-              <a:t>2017-08-14</a:t>
+              <a:t>2017. 9. 4.</a:t>
             </a:fld>
             <a:endParaRPr lang="ko-KR" altLang="en-US"/>
           </a:p>
@@ -2355,7 +2355,7 @@
           <a:p>
             <a:fld id="{C8292013-4D42-4217-8002-606CF8452647}" type="datetimeFigureOut">
               <a:rPr lang="ko-KR" altLang="en-US" smtClean="0"/>
-              <a:t>2017-08-14</a:t>
+              <a:t>2017. 9. 4.</a:t>
             </a:fld>
             <a:endParaRPr lang="ko-KR" altLang="en-US"/>
           </a:p>
@@ -2568,7 +2568,7 @@
           <a:p>
             <a:fld id="{C8292013-4D42-4217-8002-606CF8452647}" type="datetimeFigureOut">
               <a:rPr lang="ko-KR" altLang="en-US" smtClean="0"/>
-              <a:t>2017-08-14</a:t>
+              <a:t>2017. 9. 4.</a:t>
             </a:fld>
             <a:endParaRPr lang="ko-KR" altLang="en-US"/>
           </a:p>
@@ -2975,7 +2975,7 @@
       </p:grpSpPr>
       <p:grpSp>
         <p:nvGrpSpPr>
-          <p:cNvPr id="46" name="그룹 45"/>
+          <p:cNvPr id="4" name="그룹 3"/>
           <p:cNvGrpSpPr/>
           <p:nvPr/>
         </p:nvGrpSpPr>
@@ -2983,256 +2983,205 @@
           <a:xfrm>
             <a:off x="1950678" y="436425"/>
             <a:ext cx="8184052" cy="2703033"/>
-            <a:chOff x="1904024" y="1274104"/>
+            <a:chOff x="1950678" y="436425"/>
             <a:chExt cx="8184052" cy="2703033"/>
           </a:xfrm>
         </p:grpSpPr>
-        <p:sp>
-          <p:nvSpPr>
-            <p:cNvPr id="16" name="TextBox 15"/>
-            <p:cNvSpPr txBox="1"/>
-            <p:nvPr/>
-          </p:nvSpPr>
-          <p:spPr>
-            <a:xfrm>
-              <a:off x="3515978" y="2388726"/>
-              <a:ext cx="994183" cy="369332"/>
-            </a:xfrm>
-            <a:prstGeom prst="rect">
-              <a:avLst/>
-            </a:prstGeom>
-            <a:noFill/>
-          </p:spPr>
-          <p:txBody>
-            <a:bodyPr wrap="none" rtlCol="0">
-              <a:spAutoFit/>
-            </a:bodyPr>
-            <a:lstStyle/>
-            <a:p>
-              <a:r>
-                <a:rPr lang="en-US" altLang="ko-KR" dirty="0"/>
-                <a:t>PM fiber</a:t>
-              </a:r>
-              <a:endParaRPr lang="ko-KR" altLang="en-US"/>
-            </a:p>
-          </p:txBody>
-        </p:sp>
-        <p:sp>
-          <p:nvSpPr>
-            <p:cNvPr id="17" name="TextBox 16"/>
-            <p:cNvSpPr txBox="1"/>
-            <p:nvPr/>
-          </p:nvSpPr>
-          <p:spPr>
-            <a:xfrm>
-              <a:off x="4734426" y="2067306"/>
-              <a:ext cx="981359" cy="369332"/>
-            </a:xfrm>
-            <a:prstGeom prst="rect">
-              <a:avLst/>
-            </a:prstGeom>
-            <a:noFill/>
-          </p:spPr>
-          <p:txBody>
-            <a:bodyPr wrap="none" rtlCol="0">
-              <a:spAutoFit/>
-            </a:bodyPr>
-            <a:lstStyle/>
-            <a:p>
-              <a:r>
-                <a:rPr lang="en-US" altLang="ko-KR" dirty="0"/>
-                <a:t>PBS chip</a:t>
-              </a:r>
-              <a:endParaRPr lang="ko-KR" altLang="en-US"/>
-            </a:p>
-          </p:txBody>
-        </p:sp>
-        <p:sp>
-          <p:nvSpPr>
-            <p:cNvPr id="18" name="TextBox 17"/>
-            <p:cNvSpPr txBox="1"/>
-            <p:nvPr/>
-          </p:nvSpPr>
-          <p:spPr>
-            <a:xfrm>
-              <a:off x="5922329" y="1420975"/>
-              <a:ext cx="1073691" cy="646331"/>
-            </a:xfrm>
-            <a:prstGeom prst="rect">
-              <a:avLst/>
-            </a:prstGeom>
-            <a:noFill/>
-          </p:spPr>
-          <p:txBody>
-            <a:bodyPr wrap="none" rtlCol="0">
-              <a:spAutoFit/>
-            </a:bodyPr>
-            <a:lstStyle/>
-            <a:p>
-              <a:pPr algn="ctr"/>
-              <a:r>
-                <a:rPr lang="en-US" altLang="ko-KR" dirty="0"/>
-                <a:t>Objective</a:t>
-              </a:r>
-            </a:p>
-            <a:p>
-              <a:pPr algn="ctr"/>
-              <a:r>
-                <a:rPr lang="en-US" altLang="ko-KR" dirty="0"/>
-                <a:t>lens</a:t>
-              </a:r>
-              <a:endParaRPr lang="ko-KR" altLang="en-US"/>
-            </a:p>
-          </p:txBody>
-        </p:sp>
-        <p:sp>
-          <p:nvSpPr>
-            <p:cNvPr id="19" name="TextBox 18"/>
-            <p:cNvSpPr txBox="1"/>
-            <p:nvPr/>
-          </p:nvSpPr>
-          <p:spPr>
-            <a:xfrm>
-              <a:off x="7182092" y="1420975"/>
-              <a:ext cx="1006621" cy="646331"/>
-            </a:xfrm>
-            <a:prstGeom prst="rect">
-              <a:avLst/>
-            </a:prstGeom>
-            <a:noFill/>
-          </p:spPr>
-          <p:txBody>
-            <a:bodyPr wrap="none" rtlCol="0">
-              <a:spAutoFit/>
-            </a:bodyPr>
-            <a:lstStyle/>
-            <a:p>
-              <a:pPr algn="ctr"/>
-              <a:r>
-                <a:rPr lang="en-US" altLang="ko-KR" dirty="0"/>
-                <a:t>Linear</a:t>
-              </a:r>
-            </a:p>
-            <a:p>
-              <a:pPr algn="ctr"/>
-              <a:r>
-                <a:rPr lang="en-US" altLang="ko-KR" dirty="0"/>
-                <a:t>polarizer</a:t>
-              </a:r>
-              <a:endParaRPr lang="ko-KR" altLang="en-US"/>
-            </a:p>
-          </p:txBody>
-        </p:sp>
-        <p:sp>
-          <p:nvSpPr>
-            <p:cNvPr id="20" name="TextBox 19"/>
-            <p:cNvSpPr txBox="1"/>
-            <p:nvPr/>
-          </p:nvSpPr>
-          <p:spPr>
-            <a:xfrm>
-              <a:off x="8484675" y="1274104"/>
-              <a:ext cx="1464953" cy="369332"/>
-            </a:xfrm>
-            <a:prstGeom prst="rect">
-              <a:avLst/>
-            </a:prstGeom>
-            <a:noFill/>
-          </p:spPr>
-          <p:txBody>
-            <a:bodyPr wrap="none" rtlCol="0">
-              <a:spAutoFit/>
-            </a:bodyPr>
-            <a:lstStyle/>
-            <a:p>
-              <a:r>
-                <a:rPr lang="en-US" altLang="ko-KR" dirty="0"/>
-                <a:t>Beam profiler</a:t>
-              </a:r>
-              <a:endParaRPr lang="ko-KR" altLang="en-US"/>
-            </a:p>
-          </p:txBody>
-        </p:sp>
-        <p:sp>
-          <p:nvSpPr>
-            <p:cNvPr id="3" name="정육면체 2"/>
-            <p:cNvSpPr/>
-            <p:nvPr/>
-          </p:nvSpPr>
-          <p:spPr>
-            <a:xfrm rot="16200000">
-              <a:off x="5266318" y="2163777"/>
-              <a:ext cx="349021" cy="1369263"/>
-            </a:xfrm>
-            <a:prstGeom prst="cube">
-              <a:avLst>
-                <a:gd name="adj" fmla="val 83792"/>
-              </a:avLst>
-            </a:prstGeom>
-            <a:noFill/>
-            <a:ln>
-              <a:solidFill>
-                <a:schemeClr val="tx1"/>
-              </a:solidFill>
-            </a:ln>
-          </p:spPr>
-          <p:style>
-            <a:lnRef idx="2">
-              <a:schemeClr val="accent1">
-                <a:shade val="50000"/>
-              </a:schemeClr>
-            </a:lnRef>
-            <a:fillRef idx="1">
-              <a:schemeClr val="accent1"/>
-            </a:fillRef>
-            <a:effectRef idx="0">
-              <a:schemeClr val="accent1"/>
-            </a:effectRef>
-            <a:fontRef idx="minor">
-              <a:schemeClr val="lt1"/>
-            </a:fontRef>
-          </p:style>
-          <p:txBody>
-            <a:bodyPr rot="0" spcFirstLastPara="0" vertOverflow="overflow" horzOverflow="overflow" vert="horz" wrap="square" lIns="91440" tIns="45720" rIns="91440" bIns="45720" numCol="1" spcCol="0" rtlCol="0" fromWordArt="0" anchor="ctr" anchorCtr="0" forceAA="0" compatLnSpc="1">
-              <a:prstTxWarp prst="textNoShape">
-                <a:avLst/>
-              </a:prstTxWarp>
-              <a:noAutofit/>
-            </a:bodyPr>
-            <a:lstStyle/>
-            <a:p>
-              <a:pPr algn="ctr"/>
-              <a:endParaRPr lang="ko-KR" altLang="en-US"/>
-            </a:p>
-          </p:txBody>
-        </p:sp>
         <p:grpSp>
           <p:nvGrpSpPr>
-            <p:cNvPr id="30" name="그룹 29"/>
+            <p:cNvPr id="46" name="그룹 45"/>
             <p:cNvGrpSpPr/>
             <p:nvPr/>
           </p:nvGrpSpPr>
           <p:grpSpPr>
             <a:xfrm>
-              <a:off x="6296629" y="2519359"/>
-              <a:ext cx="825629" cy="637496"/>
-              <a:chOff x="7086600" y="4386942"/>
-              <a:chExt cx="825629" cy="637496"/>
+              <a:off x="1950678" y="436425"/>
+              <a:ext cx="8184052" cy="2703033"/>
+              <a:chOff x="1904024" y="1274104"/>
+              <a:chExt cx="8184052" cy="2703033"/>
             </a:xfrm>
           </p:grpSpPr>
           <p:sp>
             <p:nvSpPr>
-              <p:cNvPr id="11" name="원통 10"/>
+              <p:cNvPr id="16" name="TextBox 15"/>
+              <p:cNvSpPr txBox="1"/>
+              <p:nvPr/>
+            </p:nvSpPr>
+            <p:spPr>
+              <a:xfrm>
+                <a:off x="3515978" y="2388726"/>
+                <a:ext cx="994183" cy="369332"/>
+              </a:xfrm>
+              <a:prstGeom prst="rect">
+                <a:avLst/>
+              </a:prstGeom>
+              <a:noFill/>
+            </p:spPr>
+            <p:txBody>
+              <a:bodyPr wrap="none" rtlCol="0">
+                <a:spAutoFit/>
+              </a:bodyPr>
+              <a:lstStyle/>
+              <a:p>
+                <a:r>
+                  <a:rPr lang="en-US" altLang="ko-KR" dirty="0"/>
+                  <a:t>PM fiber</a:t>
+                </a:r>
+                <a:endParaRPr lang="ko-KR" altLang="en-US"/>
+              </a:p>
+            </p:txBody>
+          </p:sp>
+          <p:sp>
+            <p:nvSpPr>
+              <p:cNvPr id="17" name="TextBox 16"/>
+              <p:cNvSpPr txBox="1"/>
+              <p:nvPr/>
+            </p:nvSpPr>
+            <p:spPr>
+              <a:xfrm>
+                <a:off x="4734426" y="2067306"/>
+                <a:ext cx="981359" cy="369332"/>
+              </a:xfrm>
+              <a:prstGeom prst="rect">
+                <a:avLst/>
+              </a:prstGeom>
+              <a:noFill/>
+            </p:spPr>
+            <p:txBody>
+              <a:bodyPr wrap="none" rtlCol="0">
+                <a:spAutoFit/>
+              </a:bodyPr>
+              <a:lstStyle/>
+              <a:p>
+                <a:r>
+                  <a:rPr lang="en-US" altLang="ko-KR" dirty="0"/>
+                  <a:t>PBS chip</a:t>
+                </a:r>
+                <a:endParaRPr lang="ko-KR" altLang="en-US"/>
+              </a:p>
+            </p:txBody>
+          </p:sp>
+          <p:sp>
+            <p:nvSpPr>
+              <p:cNvPr id="18" name="TextBox 17"/>
+              <p:cNvSpPr txBox="1"/>
+              <p:nvPr/>
+            </p:nvSpPr>
+            <p:spPr>
+              <a:xfrm>
+                <a:off x="5922329" y="1420975"/>
+                <a:ext cx="1073691" cy="646331"/>
+              </a:xfrm>
+              <a:prstGeom prst="rect">
+                <a:avLst/>
+              </a:prstGeom>
+              <a:noFill/>
+            </p:spPr>
+            <p:txBody>
+              <a:bodyPr wrap="none" rtlCol="0">
+                <a:spAutoFit/>
+              </a:bodyPr>
+              <a:lstStyle/>
+              <a:p>
+                <a:pPr algn="ctr"/>
+                <a:r>
+                  <a:rPr lang="en-US" altLang="ko-KR" dirty="0"/>
+                  <a:t>Objective</a:t>
+                </a:r>
+              </a:p>
+              <a:p>
+                <a:pPr algn="ctr"/>
+                <a:r>
+                  <a:rPr lang="en-US" altLang="ko-KR" dirty="0"/>
+                  <a:t>lens</a:t>
+                </a:r>
+                <a:endParaRPr lang="ko-KR" altLang="en-US"/>
+              </a:p>
+            </p:txBody>
+          </p:sp>
+          <p:sp>
+            <p:nvSpPr>
+              <p:cNvPr id="19" name="TextBox 18"/>
+              <p:cNvSpPr txBox="1"/>
+              <p:nvPr/>
+            </p:nvSpPr>
+            <p:spPr>
+              <a:xfrm>
+                <a:off x="7182092" y="1420975"/>
+                <a:ext cx="1006621" cy="646331"/>
+              </a:xfrm>
+              <a:prstGeom prst="rect">
+                <a:avLst/>
+              </a:prstGeom>
+              <a:noFill/>
+            </p:spPr>
+            <p:txBody>
+              <a:bodyPr wrap="none" rtlCol="0">
+                <a:spAutoFit/>
+              </a:bodyPr>
+              <a:lstStyle/>
+              <a:p>
+                <a:pPr algn="ctr"/>
+                <a:r>
+                  <a:rPr lang="en-US" altLang="ko-KR" dirty="0"/>
+                  <a:t>Linear</a:t>
+                </a:r>
+              </a:p>
+              <a:p>
+                <a:pPr algn="ctr"/>
+                <a:r>
+                  <a:rPr lang="en-US" altLang="ko-KR" dirty="0"/>
+                  <a:t>polarizer</a:t>
+                </a:r>
+                <a:endParaRPr lang="ko-KR" altLang="en-US"/>
+              </a:p>
+            </p:txBody>
+          </p:sp>
+          <p:sp>
+            <p:nvSpPr>
+              <p:cNvPr id="20" name="TextBox 19"/>
+              <p:cNvSpPr txBox="1"/>
+              <p:nvPr/>
+            </p:nvSpPr>
+            <p:spPr>
+              <a:xfrm>
+                <a:off x="8484675" y="1274104"/>
+                <a:ext cx="1464953" cy="369332"/>
+              </a:xfrm>
+              <a:prstGeom prst="rect">
+                <a:avLst/>
+              </a:prstGeom>
+              <a:noFill/>
+            </p:spPr>
+            <p:txBody>
+              <a:bodyPr wrap="none" rtlCol="0">
+                <a:spAutoFit/>
+              </a:bodyPr>
+              <a:lstStyle/>
+              <a:p>
+                <a:r>
+                  <a:rPr lang="en-US" altLang="ko-KR" dirty="0"/>
+                  <a:t>Beam profiler</a:t>
+                </a:r>
+                <a:endParaRPr lang="ko-KR" altLang="en-US"/>
+              </a:p>
+            </p:txBody>
+          </p:sp>
+          <p:sp>
+            <p:nvSpPr>
+              <p:cNvPr id="3" name="정육면체 2"/>
               <p:cNvSpPr/>
               <p:nvPr/>
             </p:nvSpPr>
             <p:spPr>
               <a:xfrm rot="16200000">
-                <a:off x="7280856" y="4386942"/>
-                <a:ext cx="631373" cy="631373"/>
+                <a:off x="5266318" y="2163777"/>
+                <a:ext cx="349021" cy="1369263"/>
               </a:xfrm>
-              <a:prstGeom prst="can">
-                <a:avLst/>
+              <a:prstGeom prst="cube">
+                <a:avLst>
+                  <a:gd name="adj" fmla="val 83792"/>
+                </a:avLst>
               </a:prstGeom>
               <a:noFill/>
               <a:ln>
@@ -3271,220 +3220,32 @@
               </a:p>
             </p:txBody>
           </p:sp>
-          <p:sp>
-            <p:nvSpPr>
-              <p:cNvPr id="22" name="사다리꼴 21"/>
-              <p:cNvSpPr/>
-              <p:nvPr/>
-            </p:nvSpPr>
-            <p:spPr>
-              <a:xfrm rot="16200000">
-                <a:off x="6922429" y="4582260"/>
-                <a:ext cx="631372" cy="240738"/>
-              </a:xfrm>
-              <a:prstGeom prst="trapezoid">
-                <a:avLst>
-                  <a:gd name="adj" fmla="val 50000"/>
-                </a:avLst>
-              </a:prstGeom>
-              <a:solidFill>
-                <a:schemeClr val="bg1"/>
-              </a:solidFill>
-              <a:ln>
-                <a:solidFill>
-                  <a:schemeClr val="bg1"/>
-                </a:solidFill>
-              </a:ln>
-            </p:spPr>
-            <p:style>
-              <a:lnRef idx="2">
-                <a:schemeClr val="accent1">
-                  <a:shade val="50000"/>
-                </a:schemeClr>
-              </a:lnRef>
-              <a:fillRef idx="1">
-                <a:schemeClr val="accent1"/>
-              </a:fillRef>
-              <a:effectRef idx="0">
-                <a:schemeClr val="accent1"/>
-              </a:effectRef>
-              <a:fontRef idx="minor">
-                <a:schemeClr val="lt1"/>
-              </a:fontRef>
-            </p:style>
-            <p:txBody>
-              <a:bodyPr rtlCol="0" anchor="ctr"/>
-              <a:lstStyle/>
-              <a:p>
-                <a:pPr algn="ctr"/>
-                <a:endParaRPr lang="ko-KR" altLang="en-US"/>
-              </a:p>
-            </p:txBody>
-          </p:sp>
-          <p:sp>
-            <p:nvSpPr>
-              <p:cNvPr id="13" name="타원 12"/>
-              <p:cNvSpPr/>
-              <p:nvPr/>
-            </p:nvSpPr>
-            <p:spPr>
-              <a:xfrm>
-                <a:off x="7086600" y="4510088"/>
-                <a:ext cx="124456" cy="411809"/>
-              </a:xfrm>
-              <a:prstGeom prst="ellipse">
-                <a:avLst/>
-              </a:prstGeom>
-              <a:solidFill>
-                <a:schemeClr val="bg1"/>
-              </a:solidFill>
-              <a:ln>
-                <a:solidFill>
-                  <a:schemeClr val="tx1"/>
-                </a:solidFill>
-              </a:ln>
-            </p:spPr>
-            <p:style>
-              <a:lnRef idx="2">
-                <a:schemeClr val="accent1">
-                  <a:shade val="50000"/>
-                </a:schemeClr>
-              </a:lnRef>
-              <a:fillRef idx="1">
-                <a:schemeClr val="accent1"/>
-              </a:fillRef>
-              <a:effectRef idx="0">
-                <a:schemeClr val="accent1"/>
-              </a:effectRef>
-              <a:fontRef idx="minor">
-                <a:schemeClr val="lt1"/>
-              </a:fontRef>
-            </p:style>
-            <p:txBody>
-              <a:bodyPr rot="0" spcFirstLastPara="0" vertOverflow="overflow" horzOverflow="overflow" vert="horz" wrap="square" lIns="91440" tIns="45720" rIns="91440" bIns="45720" numCol="1" spcCol="0" rtlCol="0" fromWordArt="0" anchor="ctr" anchorCtr="0" forceAA="0" compatLnSpc="1">
-                <a:prstTxWarp prst="textNoShape">
-                  <a:avLst/>
-                </a:prstTxWarp>
-                <a:noAutofit/>
-              </a:bodyPr>
-              <a:lstStyle/>
-              <a:p>
-                <a:pPr algn="ctr"/>
-                <a:endParaRPr lang="ko-KR" altLang="en-US"/>
-              </a:p>
-            </p:txBody>
-          </p:sp>
-          <p:cxnSp>
-            <p:nvCxnSpPr>
-              <p:cNvPr id="15" name="직선 연결선 14"/>
-              <p:cNvCxnSpPr/>
-              <p:nvPr/>
-            </p:nvCxnSpPr>
-            <p:spPr>
-              <a:xfrm flipV="1">
-                <a:off x="7141929" y="4391704"/>
-                <a:ext cx="221318" cy="119745"/>
-              </a:xfrm>
-              <a:prstGeom prst="line">
-                <a:avLst/>
-              </a:prstGeom>
-              <a:ln w="12700">
-                <a:solidFill>
-                  <a:schemeClr val="tx1"/>
-                </a:solidFill>
-              </a:ln>
-            </p:spPr>
-            <p:style>
-              <a:lnRef idx="1">
-                <a:schemeClr val="accent1"/>
-              </a:lnRef>
-              <a:fillRef idx="0">
-                <a:schemeClr val="accent1"/>
-              </a:fillRef>
-              <a:effectRef idx="0">
-                <a:schemeClr val="accent1"/>
-              </a:effectRef>
-              <a:fontRef idx="minor">
-                <a:schemeClr val="tx1"/>
-              </a:fontRef>
-            </p:style>
-          </p:cxnSp>
-          <p:cxnSp>
-            <p:nvCxnSpPr>
-              <p:cNvPr id="27" name="직선 연결선 26"/>
-              <p:cNvCxnSpPr/>
-              <p:nvPr/>
-            </p:nvCxnSpPr>
-            <p:spPr>
-              <a:xfrm>
-                <a:off x="7141824" y="4921898"/>
-                <a:ext cx="225764" cy="102540"/>
-              </a:xfrm>
-              <a:prstGeom prst="line">
-                <a:avLst/>
-              </a:prstGeom>
-              <a:ln w="12700">
-                <a:solidFill>
-                  <a:schemeClr val="tx1"/>
-                </a:solidFill>
-              </a:ln>
-            </p:spPr>
-            <p:style>
-              <a:lnRef idx="1">
-                <a:schemeClr val="accent1"/>
-              </a:lnRef>
-              <a:fillRef idx="0">
-                <a:schemeClr val="accent1"/>
-              </a:fillRef>
-              <a:effectRef idx="0">
-                <a:schemeClr val="accent1"/>
-              </a:effectRef>
-              <a:fontRef idx="minor">
-                <a:schemeClr val="tx1"/>
-              </a:fontRef>
-            </p:style>
-          </p:cxnSp>
-        </p:grpSp>
-        <p:grpSp>
-          <p:nvGrpSpPr>
-            <p:cNvPr id="39" name="그룹 38"/>
-            <p:cNvGrpSpPr/>
-            <p:nvPr/>
-          </p:nvGrpSpPr>
-          <p:grpSpPr>
-            <a:xfrm>
-              <a:off x="7381946" y="2173052"/>
-              <a:ext cx="789833" cy="1323985"/>
-              <a:chOff x="7605414" y="2175768"/>
-              <a:chExt cx="789833" cy="1323985"/>
-            </a:xfrm>
-          </p:grpSpPr>
           <p:grpSp>
             <p:nvGrpSpPr>
-              <p:cNvPr id="33" name="그룹 32"/>
+              <p:cNvPr id="30" name="그룹 29"/>
               <p:cNvGrpSpPr/>
               <p:nvPr/>
             </p:nvGrpSpPr>
             <p:grpSpPr>
               <a:xfrm>
-                <a:off x="7660112" y="2182582"/>
-                <a:ext cx="735135" cy="1317171"/>
-                <a:chOff x="7749540" y="3823996"/>
-                <a:chExt cx="735135" cy="1317171"/>
+                <a:off x="6296629" y="2519359"/>
+                <a:ext cx="825629" cy="637496"/>
+                <a:chOff x="7086600" y="4386942"/>
+                <a:chExt cx="825629" cy="637496"/>
               </a:xfrm>
             </p:grpSpPr>
             <p:sp>
               <p:nvSpPr>
-                <p:cNvPr id="31" name="타원 30"/>
+                <p:cNvPr id="11" name="원통 10"/>
                 <p:cNvSpPr/>
                 <p:nvPr/>
               </p:nvSpPr>
               <p:spPr>
-                <a:xfrm>
-                  <a:off x="7820646" y="3823996"/>
-                  <a:ext cx="664029" cy="1317171"/>
+                <a:xfrm rot="16200000">
+                  <a:off x="7280856" y="4386942"/>
+                  <a:ext cx="631373" cy="631373"/>
                 </a:xfrm>
-                <a:prstGeom prst="ellipse">
+                <a:prstGeom prst="can">
                   <a:avLst/>
                 </a:prstGeom>
                 <a:noFill/>
@@ -3492,52 +3253,6 @@
                   <a:solidFill>
                     <a:schemeClr val="tx1"/>
                   </a:solidFill>
-                </a:ln>
-              </p:spPr>
-              <p:style>
-                <a:lnRef idx="2">
-                  <a:schemeClr val="accent1">
-                    <a:shade val="50000"/>
-                  </a:schemeClr>
-                </a:lnRef>
-                <a:fillRef idx="1">
-                  <a:schemeClr val="accent1"/>
-                </a:fillRef>
-                <a:effectRef idx="0">
-                  <a:schemeClr val="accent1"/>
-                </a:effectRef>
-                <a:fontRef idx="minor">
-                  <a:schemeClr val="lt1"/>
-                </a:fontRef>
-              </p:style>
-              <p:txBody>
-                <a:bodyPr rtlCol="0" anchor="ctr"/>
-                <a:lstStyle/>
-                <a:p>
-                  <a:pPr algn="ctr"/>
-                  <a:endParaRPr lang="ko-KR" altLang="en-US"/>
-                </a:p>
-              </p:txBody>
-            </p:sp>
-            <p:sp>
-              <p:nvSpPr>
-                <p:cNvPr id="32" name="직사각형 31"/>
-                <p:cNvSpPr/>
-                <p:nvPr/>
-              </p:nvSpPr>
-              <p:spPr>
-                <a:xfrm>
-                  <a:off x="7749540" y="3825240"/>
-                  <a:ext cx="396240" cy="1315927"/>
-                </a:xfrm>
-                <a:prstGeom prst="rect">
-                  <a:avLst/>
-                </a:prstGeom>
-                <a:solidFill>
-                  <a:schemeClr val="bg1"/>
-                </a:solidFill>
-                <a:ln>
-                  <a:noFill/>
                 </a:ln>
               </p:spPr>
               <p:style>
@@ -3570,29 +3285,573 @@
                 </a:p>
               </p:txBody>
             </p:sp>
+            <p:sp>
+              <p:nvSpPr>
+                <p:cNvPr id="22" name="사다리꼴 21"/>
+                <p:cNvSpPr/>
+                <p:nvPr/>
+              </p:nvSpPr>
+              <p:spPr>
+                <a:xfrm rot="16200000">
+                  <a:off x="6922429" y="4582260"/>
+                  <a:ext cx="631372" cy="240738"/>
+                </a:xfrm>
+                <a:prstGeom prst="trapezoid">
+                  <a:avLst>
+                    <a:gd name="adj" fmla="val 50000"/>
+                  </a:avLst>
+                </a:prstGeom>
+                <a:solidFill>
+                  <a:schemeClr val="bg1"/>
+                </a:solidFill>
+                <a:ln>
+                  <a:solidFill>
+                    <a:schemeClr val="bg1"/>
+                  </a:solidFill>
+                </a:ln>
+              </p:spPr>
+              <p:style>
+                <a:lnRef idx="2">
+                  <a:schemeClr val="accent1">
+                    <a:shade val="50000"/>
+                  </a:schemeClr>
+                </a:lnRef>
+                <a:fillRef idx="1">
+                  <a:schemeClr val="accent1"/>
+                </a:fillRef>
+                <a:effectRef idx="0">
+                  <a:schemeClr val="accent1"/>
+                </a:effectRef>
+                <a:fontRef idx="minor">
+                  <a:schemeClr val="lt1"/>
+                </a:fontRef>
+              </p:style>
+              <p:txBody>
+                <a:bodyPr rtlCol="0" anchor="ctr"/>
+                <a:lstStyle/>
+                <a:p>
+                  <a:pPr algn="ctr"/>
+                  <a:endParaRPr lang="ko-KR" altLang="en-US"/>
+                </a:p>
+              </p:txBody>
+            </p:sp>
+            <p:sp>
+              <p:nvSpPr>
+                <p:cNvPr id="13" name="타원 12"/>
+                <p:cNvSpPr/>
+                <p:nvPr/>
+              </p:nvSpPr>
+              <p:spPr>
+                <a:xfrm>
+                  <a:off x="7086600" y="4510088"/>
+                  <a:ext cx="124456" cy="411809"/>
+                </a:xfrm>
+                <a:prstGeom prst="ellipse">
+                  <a:avLst/>
+                </a:prstGeom>
+                <a:solidFill>
+                  <a:schemeClr val="bg1"/>
+                </a:solidFill>
+                <a:ln>
+                  <a:solidFill>
+                    <a:schemeClr val="tx1"/>
+                  </a:solidFill>
+                </a:ln>
+              </p:spPr>
+              <p:style>
+                <a:lnRef idx="2">
+                  <a:schemeClr val="accent1">
+                    <a:shade val="50000"/>
+                  </a:schemeClr>
+                </a:lnRef>
+                <a:fillRef idx="1">
+                  <a:schemeClr val="accent1"/>
+                </a:fillRef>
+                <a:effectRef idx="0">
+                  <a:schemeClr val="accent1"/>
+                </a:effectRef>
+                <a:fontRef idx="minor">
+                  <a:schemeClr val="lt1"/>
+                </a:fontRef>
+              </p:style>
+              <p:txBody>
+                <a:bodyPr rot="0" spcFirstLastPara="0" vertOverflow="overflow" horzOverflow="overflow" vert="horz" wrap="square" lIns="91440" tIns="45720" rIns="91440" bIns="45720" numCol="1" spcCol="0" rtlCol="0" fromWordArt="0" anchor="ctr" anchorCtr="0" forceAA="0" compatLnSpc="1">
+                  <a:prstTxWarp prst="textNoShape">
+                    <a:avLst/>
+                  </a:prstTxWarp>
+                  <a:noAutofit/>
+                </a:bodyPr>
+                <a:lstStyle/>
+                <a:p>
+                  <a:pPr algn="ctr"/>
+                  <a:endParaRPr lang="ko-KR" altLang="en-US"/>
+                </a:p>
+              </p:txBody>
+            </p:sp>
+            <p:cxnSp>
+              <p:nvCxnSpPr>
+                <p:cNvPr id="15" name="직선 연결선 14"/>
+                <p:cNvCxnSpPr/>
+                <p:nvPr/>
+              </p:nvCxnSpPr>
+              <p:spPr>
+                <a:xfrm flipV="1">
+                  <a:off x="7141929" y="4391704"/>
+                  <a:ext cx="221318" cy="119745"/>
+                </a:xfrm>
+                <a:prstGeom prst="line">
+                  <a:avLst/>
+                </a:prstGeom>
+                <a:ln w="12700">
+                  <a:solidFill>
+                    <a:schemeClr val="tx1"/>
+                  </a:solidFill>
+                </a:ln>
+              </p:spPr>
+              <p:style>
+                <a:lnRef idx="1">
+                  <a:schemeClr val="accent1"/>
+                </a:lnRef>
+                <a:fillRef idx="0">
+                  <a:schemeClr val="accent1"/>
+                </a:fillRef>
+                <a:effectRef idx="0">
+                  <a:schemeClr val="accent1"/>
+                </a:effectRef>
+                <a:fontRef idx="minor">
+                  <a:schemeClr val="tx1"/>
+                </a:fontRef>
+              </p:style>
+            </p:cxnSp>
+            <p:cxnSp>
+              <p:nvCxnSpPr>
+                <p:cNvPr id="27" name="직선 연결선 26"/>
+                <p:cNvCxnSpPr/>
+                <p:nvPr/>
+              </p:nvCxnSpPr>
+              <p:spPr>
+                <a:xfrm>
+                  <a:off x="7141824" y="4921898"/>
+                  <a:ext cx="225764" cy="102540"/>
+                </a:xfrm>
+                <a:prstGeom prst="line">
+                  <a:avLst/>
+                </a:prstGeom>
+                <a:ln w="12700">
+                  <a:solidFill>
+                    <a:schemeClr val="tx1"/>
+                  </a:solidFill>
+                </a:ln>
+              </p:spPr>
+              <p:style>
+                <a:lnRef idx="1">
+                  <a:schemeClr val="accent1"/>
+                </a:lnRef>
+                <a:fillRef idx="0">
+                  <a:schemeClr val="accent1"/>
+                </a:fillRef>
+                <a:effectRef idx="0">
+                  <a:schemeClr val="accent1"/>
+                </a:effectRef>
+                <a:fontRef idx="minor">
+                  <a:schemeClr val="tx1"/>
+                </a:fontRef>
+              </p:style>
+            </p:cxnSp>
+          </p:grpSp>
+          <p:grpSp>
+            <p:nvGrpSpPr>
+              <p:cNvPr id="39" name="그룹 38"/>
+              <p:cNvGrpSpPr/>
+              <p:nvPr/>
+            </p:nvGrpSpPr>
+            <p:grpSpPr>
+              <a:xfrm>
+                <a:off x="7381946" y="2173052"/>
+                <a:ext cx="789833" cy="1323985"/>
+                <a:chOff x="7605414" y="2175768"/>
+                <a:chExt cx="789833" cy="1323985"/>
+              </a:xfrm>
+            </p:grpSpPr>
+            <p:grpSp>
+              <p:nvGrpSpPr>
+                <p:cNvPr id="33" name="그룹 32"/>
+                <p:cNvGrpSpPr/>
+                <p:nvPr/>
+              </p:nvGrpSpPr>
+              <p:grpSpPr>
+                <a:xfrm>
+                  <a:off x="7660112" y="2182582"/>
+                  <a:ext cx="735135" cy="1317171"/>
+                  <a:chOff x="7749540" y="3823996"/>
+                  <a:chExt cx="735135" cy="1317171"/>
+                </a:xfrm>
+              </p:grpSpPr>
+              <p:sp>
+                <p:nvSpPr>
+                  <p:cNvPr id="31" name="타원 30"/>
+                  <p:cNvSpPr/>
+                  <p:nvPr/>
+                </p:nvSpPr>
+                <p:spPr>
+                  <a:xfrm>
+                    <a:off x="7820646" y="3823996"/>
+                    <a:ext cx="664029" cy="1317171"/>
+                  </a:xfrm>
+                  <a:prstGeom prst="ellipse">
+                    <a:avLst/>
+                  </a:prstGeom>
+                  <a:noFill/>
+                  <a:ln>
+                    <a:solidFill>
+                      <a:schemeClr val="tx1"/>
+                    </a:solidFill>
+                  </a:ln>
+                </p:spPr>
+                <p:style>
+                  <a:lnRef idx="2">
+                    <a:schemeClr val="accent1">
+                      <a:shade val="50000"/>
+                    </a:schemeClr>
+                  </a:lnRef>
+                  <a:fillRef idx="1">
+                    <a:schemeClr val="accent1"/>
+                  </a:fillRef>
+                  <a:effectRef idx="0">
+                    <a:schemeClr val="accent1"/>
+                  </a:effectRef>
+                  <a:fontRef idx="minor">
+                    <a:schemeClr val="lt1"/>
+                  </a:fontRef>
+                </p:style>
+                <p:txBody>
+                  <a:bodyPr rtlCol="0" anchor="ctr"/>
+                  <a:lstStyle/>
+                  <a:p>
+                    <a:pPr algn="ctr"/>
+                    <a:endParaRPr lang="ko-KR" altLang="en-US"/>
+                  </a:p>
+                </p:txBody>
+              </p:sp>
+              <p:sp>
+                <p:nvSpPr>
+                  <p:cNvPr id="32" name="직사각형 31"/>
+                  <p:cNvSpPr/>
+                  <p:nvPr/>
+                </p:nvSpPr>
+                <p:spPr>
+                  <a:xfrm>
+                    <a:off x="7749540" y="3825240"/>
+                    <a:ext cx="396240" cy="1315927"/>
+                  </a:xfrm>
+                  <a:prstGeom prst="rect">
+                    <a:avLst/>
+                  </a:prstGeom>
+                  <a:solidFill>
+                    <a:schemeClr val="bg1"/>
+                  </a:solidFill>
+                  <a:ln>
+                    <a:noFill/>
+                  </a:ln>
+                </p:spPr>
+                <p:style>
+                  <a:lnRef idx="2">
+                    <a:schemeClr val="accent1">
+                      <a:shade val="50000"/>
+                    </a:schemeClr>
+                  </a:lnRef>
+                  <a:fillRef idx="1">
+                    <a:schemeClr val="accent1"/>
+                  </a:fillRef>
+                  <a:effectRef idx="0">
+                    <a:schemeClr val="accent1"/>
+                  </a:effectRef>
+                  <a:fontRef idx="minor">
+                    <a:schemeClr val="lt1"/>
+                  </a:fontRef>
+                </p:style>
+                <p:txBody>
+                  <a:bodyPr rot="0" spcFirstLastPara="0" vertOverflow="overflow" horzOverflow="overflow" vert="horz" wrap="square" lIns="91440" tIns="45720" rIns="91440" bIns="45720" numCol="1" spcCol="0" rtlCol="0" fromWordArt="0" anchor="ctr" anchorCtr="0" forceAA="0" compatLnSpc="1">
+                    <a:prstTxWarp prst="textNoShape">
+                      <a:avLst/>
+                    </a:prstTxWarp>
+                    <a:noAutofit/>
+                  </a:bodyPr>
+                  <a:lstStyle/>
+                  <a:p>
+                    <a:pPr algn="ctr"/>
+                    <a:endParaRPr lang="ko-KR" altLang="en-US"/>
+                  </a:p>
+                </p:txBody>
+              </p:sp>
+            </p:grpSp>
+            <p:sp>
+              <p:nvSpPr>
+                <p:cNvPr id="8" name="타원 7"/>
+                <p:cNvSpPr/>
+                <p:nvPr/>
+              </p:nvSpPr>
+              <p:spPr>
+                <a:xfrm>
+                  <a:off x="7605414" y="2182582"/>
+                  <a:ext cx="664029" cy="1317171"/>
+                </a:xfrm>
+                <a:prstGeom prst="ellipse">
+                  <a:avLst/>
+                </a:prstGeom>
+                <a:pattFill prst="ltVert">
+                  <a:fgClr>
+                    <a:schemeClr val="tx1"/>
+                  </a:fgClr>
+                  <a:bgClr>
+                    <a:schemeClr val="bg1"/>
+                  </a:bgClr>
+                </a:pattFill>
+                <a:ln>
+                  <a:solidFill>
+                    <a:schemeClr val="tx1"/>
+                  </a:solidFill>
+                </a:ln>
+              </p:spPr>
+              <p:style>
+                <a:lnRef idx="2">
+                  <a:schemeClr val="accent1">
+                    <a:shade val="50000"/>
+                  </a:schemeClr>
+                </a:lnRef>
+                <a:fillRef idx="1">
+                  <a:schemeClr val="accent1"/>
+                </a:fillRef>
+                <a:effectRef idx="0">
+                  <a:schemeClr val="accent1"/>
+                </a:effectRef>
+                <a:fontRef idx="minor">
+                  <a:schemeClr val="lt1"/>
+                </a:fontRef>
+              </p:style>
+              <p:txBody>
+                <a:bodyPr rtlCol="0" anchor="ctr"/>
+                <a:lstStyle/>
+                <a:p>
+                  <a:pPr algn="ctr"/>
+                  <a:endParaRPr lang="ko-KR" altLang="en-US"/>
+                </a:p>
+              </p:txBody>
+            </p:sp>
+            <p:cxnSp>
+              <p:nvCxnSpPr>
+                <p:cNvPr id="34" name="직선 연결선 33"/>
+                <p:cNvCxnSpPr>
+                  <a:endCxn id="31" idx="4"/>
+                </p:cNvCxnSpPr>
+                <p:nvPr/>
+              </p:nvCxnSpPr>
+              <p:spPr>
+                <a:xfrm>
+                  <a:off x="7927290" y="3499753"/>
+                  <a:ext cx="135943" cy="0"/>
+                </a:xfrm>
+                <a:prstGeom prst="line">
+                  <a:avLst/>
+                </a:prstGeom>
+                <a:ln w="12700">
+                  <a:solidFill>
+                    <a:schemeClr val="tx1"/>
+                  </a:solidFill>
+                </a:ln>
+              </p:spPr>
+              <p:style>
+                <a:lnRef idx="1">
+                  <a:schemeClr val="accent1"/>
+                </a:lnRef>
+                <a:fillRef idx="0">
+                  <a:schemeClr val="accent1"/>
+                </a:fillRef>
+                <a:effectRef idx="0">
+                  <a:schemeClr val="accent1"/>
+                </a:effectRef>
+                <a:fontRef idx="minor">
+                  <a:schemeClr val="tx1"/>
+                </a:fontRef>
+              </p:style>
+            </p:cxnSp>
+            <p:cxnSp>
+              <p:nvCxnSpPr>
+                <p:cNvPr id="38" name="직선 연결선 37"/>
+                <p:cNvCxnSpPr/>
+                <p:nvPr/>
+              </p:nvCxnSpPr>
+              <p:spPr>
+                <a:xfrm>
+                  <a:off x="7932045" y="2175768"/>
+                  <a:ext cx="135943" cy="0"/>
+                </a:xfrm>
+                <a:prstGeom prst="line">
+                  <a:avLst/>
+                </a:prstGeom>
+                <a:ln w="12700">
+                  <a:solidFill>
+                    <a:schemeClr val="tx1"/>
+                  </a:solidFill>
+                </a:ln>
+              </p:spPr>
+              <p:style>
+                <a:lnRef idx="1">
+                  <a:schemeClr val="accent1"/>
+                </a:lnRef>
+                <a:fillRef idx="0">
+                  <a:schemeClr val="accent1"/>
+                </a:fillRef>
+                <a:effectRef idx="0">
+                  <a:schemeClr val="accent1"/>
+                </a:effectRef>
+                <a:fontRef idx="minor">
+                  <a:schemeClr val="tx1"/>
+                </a:fontRef>
+              </p:style>
+            </p:cxnSp>
+          </p:grpSp>
+          <p:grpSp>
+            <p:nvGrpSpPr>
+              <p:cNvPr id="43" name="그룹 42"/>
+              <p:cNvGrpSpPr/>
+              <p:nvPr/>
+            </p:nvGrpSpPr>
+            <p:grpSpPr>
+              <a:xfrm>
+                <a:off x="8633048" y="1719680"/>
+                <a:ext cx="1455028" cy="2257457"/>
+                <a:chOff x="9754298" y="1941036"/>
+                <a:chExt cx="1455028" cy="2257457"/>
+              </a:xfrm>
+            </p:grpSpPr>
+            <p:sp>
+              <p:nvSpPr>
+                <p:cNvPr id="40" name="정육면체 39"/>
+                <p:cNvSpPr/>
+                <p:nvPr/>
+              </p:nvSpPr>
+              <p:spPr>
+                <a:xfrm rot="16200000">
+                  <a:off x="9353083" y="2342251"/>
+                  <a:ext cx="2257457" cy="1455028"/>
+                </a:xfrm>
+                <a:prstGeom prst="cube">
+                  <a:avLst>
+                    <a:gd name="adj" fmla="val 46885"/>
+                  </a:avLst>
+                </a:prstGeom>
+                <a:noFill/>
+                <a:ln>
+                  <a:solidFill>
+                    <a:schemeClr val="tx1"/>
+                  </a:solidFill>
+                </a:ln>
+                <a:effectLst/>
+                <a:scene3d>
+                  <a:camera prst="orthographicFront"/>
+                  <a:lightRig rig="flat" dir="t"/>
+                </a:scene3d>
+                <a:sp3d prstMaterial="matte"/>
+              </p:spPr>
+              <p:style>
+                <a:lnRef idx="2">
+                  <a:schemeClr val="accent1">
+                    <a:shade val="50000"/>
+                  </a:schemeClr>
+                </a:lnRef>
+                <a:fillRef idx="1">
+                  <a:schemeClr val="accent1"/>
+                </a:fillRef>
+                <a:effectRef idx="0">
+                  <a:schemeClr val="accent1"/>
+                </a:effectRef>
+                <a:fontRef idx="minor">
+                  <a:schemeClr val="lt1"/>
+                </a:fontRef>
+              </p:style>
+              <p:txBody>
+                <a:bodyPr rot="0" spcFirstLastPara="0" vertOverflow="overflow" horzOverflow="overflow" vert="horz" wrap="square" lIns="91440" tIns="45720" rIns="91440" bIns="45720" numCol="1" spcCol="0" rtlCol="0" fromWordArt="0" anchor="ctr" anchorCtr="0" forceAA="0" compatLnSpc="1">
+                  <a:prstTxWarp prst="textNoShape">
+                    <a:avLst/>
+                  </a:prstTxWarp>
+                  <a:noAutofit/>
+                </a:bodyPr>
+                <a:lstStyle/>
+                <a:p>
+                  <a:pPr algn="ctr"/>
+                  <a:endParaRPr lang="ko-KR" altLang="en-US"/>
+                </a:p>
+              </p:txBody>
+            </p:sp>
+            <p:sp>
+              <p:nvSpPr>
+                <p:cNvPr id="9" name="원통 8"/>
+                <p:cNvSpPr/>
+                <p:nvPr/>
+              </p:nvSpPr>
+              <p:spPr>
+                <a:xfrm rot="16200000">
+                  <a:off x="9552367" y="2777571"/>
+                  <a:ext cx="881069" cy="472710"/>
+                </a:xfrm>
+                <a:prstGeom prst="can">
+                  <a:avLst>
+                    <a:gd name="adj" fmla="val 43857"/>
+                  </a:avLst>
+                </a:prstGeom>
+                <a:solidFill>
+                  <a:schemeClr val="bg1"/>
+                </a:solidFill>
+                <a:ln>
+                  <a:solidFill>
+                    <a:schemeClr val="tx1"/>
+                  </a:solidFill>
+                </a:ln>
+              </p:spPr>
+              <p:style>
+                <a:lnRef idx="2">
+                  <a:schemeClr val="accent1">
+                    <a:shade val="50000"/>
+                  </a:schemeClr>
+                </a:lnRef>
+                <a:fillRef idx="1">
+                  <a:schemeClr val="accent1"/>
+                </a:fillRef>
+                <a:effectRef idx="0">
+                  <a:schemeClr val="accent1"/>
+                </a:effectRef>
+                <a:fontRef idx="minor">
+                  <a:schemeClr val="lt1"/>
+                </a:fontRef>
+              </p:style>
+              <p:txBody>
+                <a:bodyPr rtlCol="0" anchor="ctr"/>
+                <a:lstStyle/>
+                <a:p>
+                  <a:pPr algn="ctr"/>
+                  <a:endParaRPr lang="ko-KR" altLang="en-US"/>
+                </a:p>
+              </p:txBody>
+            </p:sp>
           </p:grpSp>
           <p:sp>
             <p:nvSpPr>
-              <p:cNvPr id="8" name="타원 7"/>
+              <p:cNvPr id="42" name="정육면체 41"/>
               <p:cNvSpPr/>
               <p:nvPr/>
             </p:nvSpPr>
             <p:spPr>
-              <a:xfrm>
-                <a:off x="7605414" y="2182582"/>
-                <a:ext cx="664029" cy="1317171"/>
+              <a:xfrm rot="16200000">
+                <a:off x="2235614" y="2057135"/>
+                <a:ext cx="821093" cy="1484274"/>
               </a:xfrm>
-              <a:prstGeom prst="ellipse">
-                <a:avLst/>
+              <a:prstGeom prst="cube">
+                <a:avLst>
+                  <a:gd name="adj" fmla="val 44572"/>
+                </a:avLst>
               </a:prstGeom>
-              <a:pattFill prst="ltVert">
-                <a:fgClr>
-                  <a:schemeClr val="tx1"/>
-                </a:fgClr>
-                <a:bgClr>
-                  <a:schemeClr val="bg1"/>
-                </a:bgClr>
-              </a:pattFill>
+              <a:noFill/>
               <a:ln>
                 <a:solidFill>
                   <a:schemeClr val="tx1"/>
@@ -3616,66 +3875,46 @@
               </a:fontRef>
             </p:style>
             <p:txBody>
-              <a:bodyPr rtlCol="0" anchor="ctr"/>
+              <a:bodyPr rot="0" spcFirstLastPara="0" vertOverflow="overflow" horzOverflow="overflow" vert="eaVert" wrap="square" lIns="91440" tIns="45720" rIns="91440" bIns="45720" numCol="1" spcCol="0" rtlCol="0" fromWordArt="0" anchor="ctr" anchorCtr="0" forceAA="0" compatLnSpc="1">
+                <a:prstTxWarp prst="textNoShape">
+                  <a:avLst/>
+                </a:prstTxWarp>
+                <a:noAutofit/>
+              </a:bodyPr>
               <a:lstStyle/>
               <a:p>
                 <a:pPr algn="ctr"/>
-                <a:endParaRPr lang="ko-KR" altLang="en-US"/>
+                <a:r>
+                  <a:rPr lang="en-US" altLang="ko-KR" dirty="0">
+                    <a:solidFill>
+                      <a:schemeClr val="tx1"/>
+                    </a:solidFill>
+                  </a:rPr>
+                  <a:t>DFB LD</a:t>
+                </a:r>
+                <a:endParaRPr lang="ko-KR" altLang="en-US" dirty="0">
+                  <a:solidFill>
+                    <a:schemeClr val="tx1"/>
+                  </a:solidFill>
+                </a:endParaRPr>
               </a:p>
             </p:txBody>
           </p:sp>
           <p:cxnSp>
             <p:nvCxnSpPr>
-              <p:cNvPr id="34" name="직선 연결선 33"/>
-              <p:cNvCxnSpPr>
-                <a:endCxn id="31" idx="4"/>
-              </p:cNvCxnSpPr>
-              <p:nvPr/>
-            </p:nvCxnSpPr>
-            <p:spPr>
-              <a:xfrm>
-                <a:off x="7927290" y="3499753"/>
-                <a:ext cx="135943" cy="0"/>
-              </a:xfrm>
-              <a:prstGeom prst="line">
-                <a:avLst/>
-              </a:prstGeom>
-              <a:ln w="12700">
-                <a:solidFill>
-                  <a:schemeClr val="tx1"/>
-                </a:solidFill>
-              </a:ln>
-            </p:spPr>
-            <p:style>
-              <a:lnRef idx="1">
-                <a:schemeClr val="accent1"/>
-              </a:lnRef>
-              <a:fillRef idx="0">
-                <a:schemeClr val="accent1"/>
-              </a:fillRef>
-              <a:effectRef idx="0">
-                <a:schemeClr val="accent1"/>
-              </a:effectRef>
-              <a:fontRef idx="minor">
-                <a:schemeClr val="tx1"/>
-              </a:fontRef>
-            </p:style>
-          </p:cxnSp>
-          <p:cxnSp>
-            <p:nvCxnSpPr>
-              <p:cNvPr id="38" name="직선 연결선 37"/>
+              <p:cNvPr id="26" name="직선 연결선 25"/>
               <p:cNvCxnSpPr/>
               <p:nvPr/>
             </p:nvCxnSpPr>
             <p:spPr>
               <a:xfrm>
-                <a:off x="7932045" y="2175768"/>
-                <a:ext cx="135943" cy="0"/>
+                <a:off x="3391451" y="2835045"/>
+                <a:ext cx="1262861" cy="6121"/>
               </a:xfrm>
               <a:prstGeom prst="line">
                 <a:avLst/>
               </a:prstGeom>
-              <a:ln w="12700">
+              <a:ln>
                 <a:solidFill>
                   <a:schemeClr val="tx1"/>
                 </a:solidFill>
@@ -3697,151 +3936,25 @@
             </p:style>
           </p:cxnSp>
         </p:grpSp>
-        <p:grpSp>
-          <p:nvGrpSpPr>
-            <p:cNvPr id="43" name="그룹 42"/>
-            <p:cNvGrpSpPr/>
-            <p:nvPr/>
-          </p:nvGrpSpPr>
-          <p:grpSpPr>
-            <a:xfrm>
-              <a:off x="8633048" y="1719680"/>
-              <a:ext cx="1455028" cy="2257457"/>
-              <a:chOff x="9754298" y="1941036"/>
-              <a:chExt cx="1455028" cy="2257457"/>
-            </a:xfrm>
-          </p:grpSpPr>
-          <p:sp>
-            <p:nvSpPr>
-              <p:cNvPr id="40" name="정육면체 39"/>
-              <p:cNvSpPr/>
-              <p:nvPr/>
-            </p:nvSpPr>
-            <p:spPr>
-              <a:xfrm rot="16200000">
-                <a:off x="9353083" y="2342251"/>
-                <a:ext cx="2257457" cy="1455028"/>
-              </a:xfrm>
-              <a:prstGeom prst="cube">
-                <a:avLst>
-                  <a:gd name="adj" fmla="val 46885"/>
-                </a:avLst>
-              </a:prstGeom>
-              <a:noFill/>
-              <a:ln>
-                <a:solidFill>
-                  <a:schemeClr val="tx1"/>
-                </a:solidFill>
-              </a:ln>
-              <a:effectLst/>
-              <a:scene3d>
-                <a:camera prst="orthographicFront"/>
-                <a:lightRig rig="flat" dir="t"/>
-              </a:scene3d>
-              <a:sp3d prstMaterial="matte"/>
-            </p:spPr>
-            <p:style>
-              <a:lnRef idx="2">
-                <a:schemeClr val="accent1">
-                  <a:shade val="50000"/>
-                </a:schemeClr>
-              </a:lnRef>
-              <a:fillRef idx="1">
-                <a:schemeClr val="accent1"/>
-              </a:fillRef>
-              <a:effectRef idx="0">
-                <a:schemeClr val="accent1"/>
-              </a:effectRef>
-              <a:fontRef idx="minor">
-                <a:schemeClr val="lt1"/>
-              </a:fontRef>
-            </p:style>
-            <p:txBody>
-              <a:bodyPr rot="0" spcFirstLastPara="0" vertOverflow="overflow" horzOverflow="overflow" vert="horz" wrap="square" lIns="91440" tIns="45720" rIns="91440" bIns="45720" numCol="1" spcCol="0" rtlCol="0" fromWordArt="0" anchor="ctr" anchorCtr="0" forceAA="0" compatLnSpc="1">
-                <a:prstTxWarp prst="textNoShape">
-                  <a:avLst/>
-                </a:prstTxWarp>
-                <a:noAutofit/>
-              </a:bodyPr>
-              <a:lstStyle/>
-              <a:p>
-                <a:pPr algn="ctr"/>
-                <a:endParaRPr lang="ko-KR" altLang="en-US"/>
-              </a:p>
-            </p:txBody>
-          </p:sp>
-          <p:sp>
-            <p:nvSpPr>
-              <p:cNvPr id="9" name="원통 8"/>
-              <p:cNvSpPr/>
-              <p:nvPr/>
-            </p:nvSpPr>
-            <p:spPr>
-              <a:xfrm rot="16200000">
-                <a:off x="9552367" y="2777571"/>
-                <a:ext cx="881069" cy="472710"/>
-              </a:xfrm>
-              <a:prstGeom prst="can">
-                <a:avLst>
-                  <a:gd name="adj" fmla="val 43857"/>
-                </a:avLst>
-              </a:prstGeom>
-              <a:solidFill>
-                <a:schemeClr val="bg1"/>
-              </a:solidFill>
-              <a:ln>
-                <a:solidFill>
-                  <a:schemeClr val="tx1"/>
-                </a:solidFill>
-              </a:ln>
-            </p:spPr>
-            <p:style>
-              <a:lnRef idx="2">
-                <a:schemeClr val="accent1">
-                  <a:shade val="50000"/>
-                </a:schemeClr>
-              </a:lnRef>
-              <a:fillRef idx="1">
-                <a:schemeClr val="accent1"/>
-              </a:fillRef>
-              <a:effectRef idx="0">
-                <a:schemeClr val="accent1"/>
-              </a:effectRef>
-              <a:fontRef idx="minor">
-                <a:schemeClr val="lt1"/>
-              </a:fontRef>
-            </p:style>
-            <p:txBody>
-              <a:bodyPr rtlCol="0" anchor="ctr"/>
-              <a:lstStyle/>
-              <a:p>
-                <a:pPr algn="ctr"/>
-                <a:endParaRPr lang="ko-KR" altLang="en-US"/>
-              </a:p>
-            </p:txBody>
-          </p:sp>
-        </p:grpSp>
         <p:sp>
           <p:nvSpPr>
-            <p:cNvPr id="42" name="정육면체 41"/>
+            <p:cNvPr id="2" name="타원 1"/>
             <p:cNvSpPr/>
             <p:nvPr/>
           </p:nvSpPr>
           <p:spPr>
-            <a:xfrm rot="16200000">
-              <a:off x="2235614" y="2057135"/>
-              <a:ext cx="821093" cy="1484274"/>
+            <a:xfrm>
+              <a:off x="8734097" y="1639640"/>
+              <a:ext cx="102938" cy="631373"/>
             </a:xfrm>
-            <a:prstGeom prst="cube">
-              <a:avLst>
-                <a:gd name="adj" fmla="val 44572"/>
-              </a:avLst>
+            <a:prstGeom prst="ellipse">
+              <a:avLst/>
             </a:prstGeom>
-            <a:noFill/>
+            <a:solidFill>
+              <a:schemeClr val="tx1"/>
+            </a:solidFill>
             <a:ln>
-              <a:solidFill>
-                <a:schemeClr val="tx1"/>
-              </a:solidFill>
+              <a:noFill/>
             </a:ln>
           </p:spPr>
           <p:style>
@@ -3861,66 +3974,14 @@
             </a:fontRef>
           </p:style>
           <p:txBody>
-            <a:bodyPr rot="0" spcFirstLastPara="0" vertOverflow="overflow" horzOverflow="overflow" vert="eaVert" wrap="square" lIns="91440" tIns="45720" rIns="91440" bIns="45720" numCol="1" spcCol="0" rtlCol="0" fromWordArt="0" anchor="ctr" anchorCtr="0" forceAA="0" compatLnSpc="1">
-              <a:prstTxWarp prst="textNoShape">
-                <a:avLst/>
-              </a:prstTxWarp>
-              <a:noAutofit/>
-            </a:bodyPr>
+            <a:bodyPr rtlCol="0" anchor="ctr"/>
             <a:lstStyle/>
             <a:p>
               <a:pPr algn="ctr"/>
-              <a:r>
-                <a:rPr lang="en-US" altLang="ko-KR" dirty="0">
-                  <a:solidFill>
-                    <a:schemeClr val="tx1"/>
-                  </a:solidFill>
-                </a:rPr>
-                <a:t>DFB LD</a:t>
-              </a:r>
-              <a:endParaRPr lang="ko-KR" altLang="en-US" dirty="0">
-                <a:solidFill>
-                  <a:schemeClr val="tx1"/>
-                </a:solidFill>
-              </a:endParaRPr>
+              <a:endParaRPr kumimoji="1" lang="ko-KR" altLang="en-US"/>
             </a:p>
           </p:txBody>
         </p:sp>
-        <p:cxnSp>
-          <p:nvCxnSpPr>
-            <p:cNvPr id="26" name="직선 연결선 25"/>
-            <p:cNvCxnSpPr/>
-            <p:nvPr/>
-          </p:nvCxnSpPr>
-          <p:spPr>
-            <a:xfrm>
-              <a:off x="3391451" y="2835045"/>
-              <a:ext cx="1262861" cy="6121"/>
-            </a:xfrm>
-            <a:prstGeom prst="line">
-              <a:avLst/>
-            </a:prstGeom>
-            <a:ln>
-              <a:solidFill>
-                <a:schemeClr val="tx1"/>
-              </a:solidFill>
-            </a:ln>
-          </p:spPr>
-          <p:style>
-            <a:lnRef idx="1">
-              <a:schemeClr val="accent1"/>
-            </a:lnRef>
-            <a:fillRef idx="0">
-              <a:schemeClr val="accent1"/>
-            </a:fillRef>
-            <a:effectRef idx="0">
-              <a:schemeClr val="accent1"/>
-            </a:effectRef>
-            <a:fontRef idx="minor">
-              <a:schemeClr val="tx1"/>
-            </a:fontRef>
-          </p:style>
-        </p:cxnSp>
       </p:grpSp>
     </p:spTree>
     <p:extLst>
